--- a/PPT/TypeScriptv4.pptx
+++ b/PPT/TypeScriptv4.pptx
@@ -5,7 +5,7 @@
     <p:sldMasterId id="2147483660" r:id="rId1"/>
   </p:sldMasterIdLst>
   <p:notesMasterIdLst>
-    <p:notesMasterId r:id="rId44"/>
+    <p:notesMasterId r:id="rId53"/>
   </p:notesMasterIdLst>
   <p:sldIdLst>
     <p:sldId id="256" r:id="rId2"/>
@@ -49,7 +49,16 @@
     <p:sldId id="397" r:id="rId40"/>
     <p:sldId id="398" r:id="rId41"/>
     <p:sldId id="399" r:id="rId42"/>
-    <p:sldId id="268" r:id="rId43"/>
+    <p:sldId id="400" r:id="rId43"/>
+    <p:sldId id="401" r:id="rId44"/>
+    <p:sldId id="402" r:id="rId45"/>
+    <p:sldId id="403" r:id="rId46"/>
+    <p:sldId id="404" r:id="rId47"/>
+    <p:sldId id="405" r:id="rId48"/>
+    <p:sldId id="406" r:id="rId49"/>
+    <p:sldId id="407" r:id="rId50"/>
+    <p:sldId id="408" r:id="rId51"/>
+    <p:sldId id="268" r:id="rId52"/>
   </p:sldIdLst>
   <p:sldSz cx="12192000" cy="6858000"/>
   <p:notesSz cx="6858000" cy="9144000"/>
@@ -3243,6 +3252,90 @@
     <p:extLst>
       <p:ext uri="{BB962C8B-B14F-4D97-AF65-F5344CB8AC3E}">
         <p14:creationId xmlns:p14="http://schemas.microsoft.com/office/powerpoint/2010/main" val="2906098912"/>
+      </p:ext>
+    </p:extLst>
+  </p:cSld>
+  <p:clrMapOvr>
+    <a:masterClrMapping/>
+  </p:clrMapOvr>
+</p:notes>
+</file>
+
+<file path=ppt/notesSlides/notesSlide26.xml><?xml version="1.0" encoding="utf-8"?>
+<p:notes xmlns:a="http://schemas.openxmlformats.org/drawingml/2006/main" xmlns:r="http://schemas.openxmlformats.org/officeDocument/2006/relationships" xmlns:p="http://schemas.openxmlformats.org/presentationml/2006/main">
+  <p:cSld>
+    <p:spTree>
+      <p:nvGrpSpPr>
+        <p:cNvPr id="1" name=""/>
+        <p:cNvGrpSpPr/>
+        <p:nvPr/>
+      </p:nvGrpSpPr>
+      <p:grpSpPr>
+        <a:xfrm>
+          <a:off x="0" y="0"/>
+          <a:ext cx="0" cy="0"/>
+          <a:chOff x="0" y="0"/>
+          <a:chExt cx="0" cy="0"/>
+        </a:xfrm>
+      </p:grpSpPr>
+      <p:sp>
+        <p:nvSpPr>
+          <p:cNvPr id="2" name="Slide Image Placeholder 1"/>
+          <p:cNvSpPr>
+            <a:spLocks noGrp="1" noRot="1" noChangeAspect="1"/>
+          </p:cNvSpPr>
+          <p:nvPr>
+            <p:ph type="sldImg"/>
+          </p:nvPr>
+        </p:nvSpPr>
+        <p:spPr/>
+      </p:sp>
+      <p:sp>
+        <p:nvSpPr>
+          <p:cNvPr id="3" name="Notes Placeholder 2"/>
+          <p:cNvSpPr>
+            <a:spLocks noGrp="1"/>
+          </p:cNvSpPr>
+          <p:nvPr>
+            <p:ph type="body" idx="1"/>
+          </p:nvPr>
+        </p:nvSpPr>
+        <p:spPr/>
+        <p:txBody>
+          <a:bodyPr/>
+          <a:lstStyle/>
+          <a:p>
+            <a:endParaRPr lang="en-GB" dirty="0"/>
+          </a:p>
+        </p:txBody>
+      </p:sp>
+      <p:sp>
+        <p:nvSpPr>
+          <p:cNvPr id="4" name="Slide Number Placeholder 3"/>
+          <p:cNvSpPr>
+            <a:spLocks noGrp="1"/>
+          </p:cNvSpPr>
+          <p:nvPr>
+            <p:ph type="sldNum" sz="quarter" idx="10"/>
+          </p:nvPr>
+        </p:nvSpPr>
+        <p:spPr/>
+        <p:txBody>
+          <a:bodyPr/>
+          <a:lstStyle/>
+          <a:p>
+            <a:fld id="{D3B79ED6-4970-4D84-B25C-F520A9D9210C}" type="slidenum">
+              <a:rPr lang="en-GB" smtClean="0"/>
+              <a:t>43</a:t>
+            </a:fld>
+            <a:endParaRPr lang="en-GB"/>
+          </a:p>
+        </p:txBody>
+      </p:sp>
+    </p:spTree>
+    <p:extLst>
+      <p:ext uri="{BB962C8B-B14F-4D97-AF65-F5344CB8AC3E}">
+        <p14:creationId xmlns:p14="http://schemas.microsoft.com/office/powerpoint/2010/main" val="4272102103"/>
       </p:ext>
     </p:extLst>
   </p:cSld>
@@ -29191,7 +29284,33 @@
           <a:p>
             <a:r>
               <a:rPr lang="en-IN" dirty="0" smtClean="0"/>
-              <a:t>Demo time!!!!!</a:t>
+              <a:t>Demo time</a:t>
+            </a:r>
+            <a:r>
+              <a:rPr lang="en-IN" dirty="0" smtClean="0"/>
+              <a:t>!!!!!</a:t>
+            </a:r>
+          </a:p>
+          <a:p>
+            <a:r>
+              <a:rPr lang="en-IN" dirty="0" smtClean="0"/>
+              <a:t>Pro tip : if you want to tell </a:t>
+            </a:r>
+            <a:r>
+              <a:rPr lang="en-IN" dirty="0" err="1" smtClean="0"/>
+              <a:t>tsc</a:t>
+            </a:r>
+            <a:r>
+              <a:rPr lang="en-IN" dirty="0" smtClean="0"/>
+              <a:t> to ignore the compilation error temporarily just add a comment //@</a:t>
+            </a:r>
+            <a:r>
+              <a:rPr lang="en-IN" dirty="0" err="1" smtClean="0"/>
+              <a:t>ts</a:t>
+            </a:r>
+            <a:r>
+              <a:rPr lang="en-IN" dirty="0" smtClean="0"/>
+              <a:t>-ignore above the line that has the error</a:t>
             </a:r>
             <a:endParaRPr lang="en-GB" dirty="0"/>
           </a:p>
@@ -31165,19 +31284,19 @@
           <a:p>
             <a:r>
               <a:rPr lang="en-IN" dirty="0" smtClean="0"/>
-              <a:t>Section </a:t>
-            </a:r>
-            <a:r>
-              <a:rPr lang="en-IN" dirty="0" smtClean="0"/>
-              <a:t>-4 -:Next-Gen </a:t>
+              <a:t>Section -4 -:Next-Gen </a:t>
             </a:r>
             <a:r>
               <a:rPr lang="en-IN" dirty="0" err="1" smtClean="0"/>
               <a:t>Js</a:t>
             </a:r>
             <a:r>
-              <a:rPr lang="en-IN" smtClean="0"/>
-              <a:t> and Ts</a:t>
+              <a:rPr lang="en-IN" dirty="0" smtClean="0"/>
+              <a:t>(ES6+) </a:t>
+            </a:r>
+            <a:r>
+              <a:rPr lang="en-IN" dirty="0" smtClean="0"/>
+              <a:t>and Ts</a:t>
             </a:r>
             <a:endParaRPr lang="en-GB" dirty="0"/>
           </a:p>
@@ -31222,6 +31341,38 @@
       </p:grpSpPr>
       <p:sp>
         <p:nvSpPr>
+          <p:cNvPr id="2" name="Title 1"/>
+          <p:cNvSpPr>
+            <a:spLocks noGrp="1"/>
+          </p:cNvSpPr>
+          <p:nvPr>
+            <p:ph type="title"/>
+          </p:nvPr>
+        </p:nvSpPr>
+        <p:spPr>
+          <a:xfrm>
+            <a:off x="677334" y="90311"/>
+            <a:ext cx="8596668" cy="677333"/>
+          </a:xfrm>
+        </p:spPr>
+        <p:txBody>
+          <a:bodyPr/>
+          <a:lstStyle/>
+          <a:p>
+            <a:r>
+              <a:rPr lang="en-GB" dirty="0" smtClean="0"/>
+              <a:t>Let and </a:t>
+            </a:r>
+            <a:r>
+              <a:rPr lang="en-GB" dirty="0" err="1" smtClean="0"/>
+              <a:t>Const</a:t>
+            </a:r>
+            <a:endParaRPr lang="en-GB" dirty="0"/>
+          </a:p>
+        </p:txBody>
+      </p:sp>
+      <p:sp>
+        <p:nvSpPr>
           <p:cNvPr id="3" name="Content Placeholder 2"/>
           <p:cNvSpPr>
             <a:spLocks noGrp="1"/>
@@ -31232,31 +31383,343 @@
         </p:nvSpPr>
         <p:spPr>
           <a:xfrm>
-            <a:off x="3163860" y="2754147"/>
-            <a:ext cx="8596668" cy="3880773"/>
+            <a:off x="677333" y="891822"/>
+            <a:ext cx="9821333" cy="5667021"/>
+          </a:xfrm>
+        </p:spPr>
+        <p:txBody>
+          <a:bodyPr/>
+          <a:lstStyle/>
+          <a:p>
+            <a:r>
+              <a:rPr lang="en-GB" dirty="0" err="1" smtClean="0"/>
+              <a:t>Const</a:t>
+            </a:r>
+            <a:r>
+              <a:rPr lang="en-GB" dirty="0" smtClean="0"/>
+              <a:t> is used to define a </a:t>
+            </a:r>
+            <a:r>
+              <a:rPr lang="en-GB" dirty="0" err="1" smtClean="0"/>
+              <a:t>constant.we</a:t>
+            </a:r>
+            <a:r>
+              <a:rPr lang="en-GB" dirty="0" smtClean="0"/>
+              <a:t> cant change the value of a </a:t>
+            </a:r>
+            <a:r>
+              <a:rPr lang="en-GB" dirty="0" err="1" smtClean="0"/>
+              <a:t>const</a:t>
+            </a:r>
+            <a:r>
+              <a:rPr lang="en-GB" dirty="0" smtClean="0"/>
+              <a:t> once it is declared</a:t>
+            </a:r>
+          </a:p>
+          <a:p>
+            <a:r>
+              <a:rPr lang="en-GB" dirty="0" smtClean="0"/>
+              <a:t>We define a constant using </a:t>
+            </a:r>
+            <a:r>
+              <a:rPr lang="en-GB" dirty="0" err="1" smtClean="0"/>
+              <a:t>const</a:t>
+            </a:r>
+            <a:r>
+              <a:rPr lang="en-GB" dirty="0" smtClean="0"/>
+              <a:t> keyword syntax is:</a:t>
+            </a:r>
+          </a:p>
+          <a:p>
+            <a:pPr lvl="1"/>
+            <a:r>
+              <a:rPr lang="en-GB" dirty="0" smtClean="0"/>
+              <a:t> </a:t>
+            </a:r>
+            <a:r>
+              <a:rPr lang="en-GB" dirty="0" err="1" smtClean="0"/>
+              <a:t>const</a:t>
+            </a:r>
+            <a:r>
+              <a:rPr lang="en-GB" dirty="0" smtClean="0"/>
+              <a:t> </a:t>
+            </a:r>
+            <a:r>
+              <a:rPr lang="en-GB" dirty="0" err="1" smtClean="0"/>
+              <a:t>constantName</a:t>
+            </a:r>
+            <a:r>
+              <a:rPr lang="en-GB" dirty="0" smtClean="0"/>
+              <a:t> = value;</a:t>
+            </a:r>
+          </a:p>
+          <a:p>
+            <a:r>
+              <a:rPr lang="en-GB" dirty="0" smtClean="0"/>
+              <a:t>If we try to change the value of a constant </a:t>
+            </a:r>
+            <a:r>
+              <a:rPr lang="en-GB" dirty="0" err="1" smtClean="0"/>
+              <a:t>ts</a:t>
+            </a:r>
+            <a:r>
+              <a:rPr lang="en-GB" dirty="0" smtClean="0"/>
+              <a:t> gives us a compile time error and even </a:t>
+            </a:r>
+            <a:r>
+              <a:rPr lang="en-GB" dirty="0" err="1" smtClean="0"/>
+              <a:t>js</a:t>
+            </a:r>
+            <a:r>
+              <a:rPr lang="en-GB" dirty="0" smtClean="0"/>
+              <a:t> gives a runtime error for this.</a:t>
+            </a:r>
+          </a:p>
+          <a:p>
+            <a:r>
+              <a:rPr lang="en-GB" dirty="0" smtClean="0"/>
+              <a:t>Let is a new way of defining variables introduced in ES6.</a:t>
+            </a:r>
+          </a:p>
+          <a:p>
+            <a:r>
+              <a:rPr lang="en-GB" dirty="0" smtClean="0"/>
+              <a:t>The major difference is in scoping rules </a:t>
+            </a:r>
+            <a:r>
+              <a:rPr lang="en-GB" dirty="0" err="1" smtClean="0"/>
+              <a:t>var</a:t>
+            </a:r>
+            <a:r>
+              <a:rPr lang="en-GB" dirty="0" smtClean="0"/>
+              <a:t> is either globally scoped or function </a:t>
+            </a:r>
+            <a:r>
+              <a:rPr lang="en-GB" dirty="0" err="1" smtClean="0"/>
+              <a:t>scoped,let</a:t>
+            </a:r>
+            <a:r>
+              <a:rPr lang="en-GB" dirty="0" smtClean="0"/>
+              <a:t> also has these two scopes but additionally it also has a block scope .</a:t>
+            </a:r>
+          </a:p>
+          <a:p>
+            <a:endParaRPr lang="en-GB" dirty="0" smtClean="0"/>
+          </a:p>
+          <a:p>
+            <a:endParaRPr lang="en-GB" dirty="0"/>
+          </a:p>
+        </p:txBody>
+      </p:sp>
+    </p:spTree>
+    <p:extLst>
+      <p:ext uri="{BB962C8B-B14F-4D97-AF65-F5344CB8AC3E}">
+        <p14:creationId xmlns:p14="http://schemas.microsoft.com/office/powerpoint/2010/main" val="2853226455"/>
+      </p:ext>
+    </p:extLst>
+  </p:cSld>
+  <p:clrMapOvr>
+    <a:masterClrMapping/>
+  </p:clrMapOvr>
+</p:sld>
+</file>
+
+<file path=ppt/slides/slide43.xml><?xml version="1.0" encoding="utf-8"?>
+<p:sld xmlns:a="http://schemas.openxmlformats.org/drawingml/2006/main" xmlns:r="http://schemas.openxmlformats.org/officeDocument/2006/relationships" xmlns:p="http://schemas.openxmlformats.org/presentationml/2006/main">
+  <p:cSld>
+    <p:spTree>
+      <p:nvGrpSpPr>
+        <p:cNvPr id="1" name=""/>
+        <p:cNvGrpSpPr/>
+        <p:nvPr/>
+      </p:nvGrpSpPr>
+      <p:grpSpPr>
+        <a:xfrm>
+          <a:off x="0" y="0"/>
+          <a:ext cx="0" cy="0"/>
+          <a:chOff x="0" y="0"/>
+          <a:chExt cx="0" cy="0"/>
+        </a:xfrm>
+      </p:grpSpPr>
+      <p:sp>
+        <p:nvSpPr>
+          <p:cNvPr id="2" name="Title 1"/>
+          <p:cNvSpPr>
+            <a:spLocks noGrp="1"/>
+          </p:cNvSpPr>
+          <p:nvPr>
+            <p:ph type="title"/>
+          </p:nvPr>
+        </p:nvSpPr>
+        <p:spPr>
+          <a:xfrm>
+            <a:off x="338667" y="0"/>
+            <a:ext cx="8596668" cy="567267"/>
           </a:xfrm>
         </p:spPr>
         <p:txBody>
           <a:bodyPr>
-            <a:normAutofit/>
+            <a:normAutofit fontScale="90000"/>
           </a:bodyPr>
           <a:lstStyle/>
           <a:p>
-            <a:pPr marL="0" indent="0">
-              <a:buNone/>
-            </a:pPr>
-            <a:r>
-              <a:rPr lang="en-IN" sz="5400" b="1" smtClean="0"/>
-              <a:t>Thanks!!!!!</a:t>
-            </a:r>
-            <a:endParaRPr lang="en-GB" sz="5400" b="1" dirty="0"/>
+            <a:r>
+              <a:rPr lang="en-IN" dirty="0" smtClean="0"/>
+              <a:t>Difference between Let and </a:t>
+            </a:r>
+            <a:r>
+              <a:rPr lang="en-IN" dirty="0" err="1" smtClean="0"/>
+              <a:t>Var</a:t>
+            </a:r>
+            <a:endParaRPr lang="en-GB" dirty="0"/>
           </a:p>
         </p:txBody>
       </p:sp>
+      <p:sp>
+        <p:nvSpPr>
+          <p:cNvPr id="3" name="Content Placeholder 2"/>
+          <p:cNvSpPr>
+            <a:spLocks noGrp="1"/>
+          </p:cNvSpPr>
+          <p:nvPr>
+            <p:ph idx="1"/>
+          </p:nvPr>
+        </p:nvSpPr>
+        <p:spPr>
+          <a:xfrm>
+            <a:off x="677334" y="567267"/>
+            <a:ext cx="8596668" cy="5474095"/>
+          </a:xfrm>
+        </p:spPr>
+        <p:txBody>
+          <a:bodyPr/>
+          <a:lstStyle/>
+          <a:p>
+            <a:r>
+              <a:rPr lang="en-IN" dirty="0" err="1"/>
+              <a:t>var</a:t>
+            </a:r>
+            <a:r>
+              <a:rPr lang="en-IN" dirty="0"/>
+              <a:t> and let are both used for variable declaration in </a:t>
+            </a:r>
+            <a:r>
+              <a:rPr lang="en-IN" dirty="0" err="1"/>
+              <a:t>javascript</a:t>
+            </a:r>
+            <a:r>
+              <a:rPr lang="en-IN" dirty="0"/>
+              <a:t> but </a:t>
+            </a:r>
+            <a:r>
+              <a:rPr lang="en-IN" dirty="0" smtClean="0"/>
+              <a:t>the main  </a:t>
+            </a:r>
+            <a:r>
+              <a:rPr lang="en-IN" dirty="0"/>
+              <a:t>difference between them is that </a:t>
+            </a:r>
+            <a:r>
+              <a:rPr lang="en-IN" dirty="0" err="1"/>
+              <a:t>var</a:t>
+            </a:r>
+            <a:r>
+              <a:rPr lang="en-IN" dirty="0"/>
+              <a:t> is function scoped and let is block </a:t>
+            </a:r>
+            <a:r>
+              <a:rPr lang="en-IN" dirty="0" smtClean="0"/>
+              <a:t>scoped.</a:t>
+            </a:r>
+          </a:p>
+          <a:p>
+            <a:r>
+              <a:rPr lang="en-IN" dirty="0" smtClean="0"/>
+              <a:t>It </a:t>
+            </a:r>
+            <a:r>
+              <a:rPr lang="en-IN" dirty="0"/>
+              <a:t>can be said that a variable declared with </a:t>
+            </a:r>
+            <a:r>
+              <a:rPr lang="en-IN" dirty="0" err="1"/>
+              <a:t>var</a:t>
+            </a:r>
+            <a:r>
+              <a:rPr lang="en-IN" dirty="0"/>
+              <a:t> is defined throughout the program as compared to let</a:t>
+            </a:r>
+            <a:r>
+              <a:rPr lang="en-IN" dirty="0" smtClean="0"/>
+              <a:t>.</a:t>
+            </a:r>
+          </a:p>
+          <a:p>
+            <a:r>
+              <a:rPr lang="en-IN" dirty="0" smtClean="0"/>
+              <a:t>ECMAScript 6 introduced let.</a:t>
+            </a:r>
+          </a:p>
+          <a:p>
+            <a:endParaRPr lang="en-IN" dirty="0"/>
+          </a:p>
+          <a:p>
+            <a:endParaRPr lang="en-GB" dirty="0"/>
+          </a:p>
+        </p:txBody>
+      </p:sp>
+      <p:pic>
+        <p:nvPicPr>
+          <p:cNvPr id="4" name="Picture 3"/>
+          <p:cNvPicPr>
+            <a:picLocks noChangeAspect="1"/>
+          </p:cNvPicPr>
+          <p:nvPr/>
+        </p:nvPicPr>
+        <p:blipFill>
+          <a:blip r:embed="rId3"/>
+          <a:stretch>
+            <a:fillRect/>
+          </a:stretch>
+        </p:blipFill>
+        <p:spPr>
+          <a:xfrm>
+            <a:off x="479121" y="2650314"/>
+            <a:ext cx="5235394" cy="4046571"/>
+          </a:xfrm>
+          <a:prstGeom prst="rect">
+            <a:avLst/>
+          </a:prstGeom>
+        </p:spPr>
+      </p:pic>
+      <p:pic>
+        <p:nvPicPr>
+          <p:cNvPr id="5" name="Picture 4"/>
+          <p:cNvPicPr>
+            <a:picLocks noChangeAspect="1"/>
+          </p:cNvPicPr>
+          <p:nvPr/>
+        </p:nvPicPr>
+        <p:blipFill>
+          <a:blip r:embed="rId4"/>
+          <a:stretch>
+            <a:fillRect/>
+          </a:stretch>
+        </p:blipFill>
+        <p:spPr>
+          <a:xfrm>
+            <a:off x="4637001" y="2257116"/>
+            <a:ext cx="6675698" cy="2225233"/>
+          </a:xfrm>
+          <a:prstGeom prst="rect">
+            <a:avLst/>
+          </a:prstGeom>
+        </p:spPr>
+      </p:pic>
     </p:spTree>
     <p:extLst>
       <p:ext uri="{BB962C8B-B14F-4D97-AF65-F5344CB8AC3E}">
-        <p14:creationId xmlns:p14="http://schemas.microsoft.com/office/powerpoint/2010/main" val="3977684842"/>
+        <p14:creationId xmlns:p14="http://schemas.microsoft.com/office/powerpoint/2010/main" val="2916029885"/>
       </p:ext>
     </p:extLst>
   </p:cSld>
@@ -31270,6 +31733,1325 @@
       </p:par>
     </p:tnLst>
   </p:timing>
+</p:sld>
+</file>
+
+<file path=ppt/slides/slide44.xml><?xml version="1.0" encoding="utf-8"?>
+<p:sld xmlns:a="http://schemas.openxmlformats.org/drawingml/2006/main" xmlns:r="http://schemas.openxmlformats.org/officeDocument/2006/relationships" xmlns:p="http://schemas.openxmlformats.org/presentationml/2006/main">
+  <p:cSld>
+    <p:spTree>
+      <p:nvGrpSpPr>
+        <p:cNvPr id="1" name=""/>
+        <p:cNvGrpSpPr/>
+        <p:nvPr/>
+      </p:nvGrpSpPr>
+      <p:grpSpPr>
+        <a:xfrm>
+          <a:off x="0" y="0"/>
+          <a:ext cx="0" cy="0"/>
+          <a:chOff x="0" y="0"/>
+          <a:chExt cx="0" cy="0"/>
+        </a:xfrm>
+      </p:grpSpPr>
+      <p:sp>
+        <p:nvSpPr>
+          <p:cNvPr id="2" name="Title 1"/>
+          <p:cNvSpPr>
+            <a:spLocks noGrp="1"/>
+          </p:cNvSpPr>
+          <p:nvPr>
+            <p:ph type="title"/>
+          </p:nvPr>
+        </p:nvSpPr>
+        <p:spPr>
+          <a:xfrm>
+            <a:off x="338667" y="0"/>
+            <a:ext cx="8596668" cy="567267"/>
+          </a:xfrm>
+        </p:spPr>
+        <p:txBody>
+          <a:bodyPr>
+            <a:normAutofit fontScale="90000"/>
+          </a:bodyPr>
+          <a:lstStyle/>
+          <a:p>
+            <a:r>
+              <a:rPr lang="en-IN" dirty="0" smtClean="0"/>
+              <a:t>Difference between Let and </a:t>
+            </a:r>
+            <a:r>
+              <a:rPr lang="en-IN" dirty="0" err="1" smtClean="0"/>
+              <a:t>Var</a:t>
+            </a:r>
+            <a:endParaRPr lang="en-GB" dirty="0"/>
+          </a:p>
+        </p:txBody>
+      </p:sp>
+      <p:sp>
+        <p:nvSpPr>
+          <p:cNvPr id="3" name="Content Placeholder 2"/>
+          <p:cNvSpPr>
+            <a:spLocks noGrp="1"/>
+          </p:cNvSpPr>
+          <p:nvPr>
+            <p:ph idx="1"/>
+          </p:nvPr>
+        </p:nvSpPr>
+        <p:spPr>
+          <a:xfrm>
+            <a:off x="677334" y="567267"/>
+            <a:ext cx="8596668" cy="5474095"/>
+          </a:xfrm>
+        </p:spPr>
+        <p:txBody>
+          <a:bodyPr/>
+          <a:lstStyle/>
+          <a:p>
+            <a:endParaRPr lang="en-IN" dirty="0"/>
+          </a:p>
+          <a:p>
+            <a:endParaRPr lang="en-GB" dirty="0"/>
+          </a:p>
+        </p:txBody>
+      </p:sp>
+      <p:sp>
+        <p:nvSpPr>
+          <p:cNvPr id="6" name="Rectangle 5"/>
+          <p:cNvSpPr/>
+          <p:nvPr/>
+        </p:nvSpPr>
+        <p:spPr>
+          <a:xfrm>
+            <a:off x="677334" y="1007532"/>
+            <a:ext cx="1938866" cy="2480733"/>
+          </a:xfrm>
+          <a:prstGeom prst="rect">
+            <a:avLst/>
+          </a:prstGeom>
+        </p:spPr>
+        <p:style>
+          <a:lnRef idx="2">
+            <a:schemeClr val="accent1">
+              <a:shade val="50000"/>
+            </a:schemeClr>
+          </a:lnRef>
+          <a:fillRef idx="1">
+            <a:schemeClr val="accent1"/>
+          </a:fillRef>
+          <a:effectRef idx="0">
+            <a:schemeClr val="accent1"/>
+          </a:effectRef>
+          <a:fontRef idx="minor">
+            <a:schemeClr val="lt1"/>
+          </a:fontRef>
+        </p:style>
+        <p:txBody>
+          <a:bodyPr rtlCol="0" anchor="ctr"/>
+          <a:lstStyle/>
+          <a:p>
+            <a:pPr algn="ctr"/>
+            <a:r>
+              <a:rPr lang="en-IN" sz="1400" dirty="0" smtClean="0"/>
+              <a:t>Scoping</a:t>
+            </a:r>
+            <a:r>
+              <a:rPr lang="en-IN" dirty="0" smtClean="0"/>
+              <a:t> rules</a:t>
+            </a:r>
+            <a:endParaRPr lang="en-GB" dirty="0"/>
+          </a:p>
+        </p:txBody>
+      </p:sp>
+      <p:sp>
+        <p:nvSpPr>
+          <p:cNvPr id="7" name="Rectangle 6"/>
+          <p:cNvSpPr/>
+          <p:nvPr/>
+        </p:nvSpPr>
+        <p:spPr>
+          <a:xfrm>
+            <a:off x="2954867" y="1007532"/>
+            <a:ext cx="4055533" cy="2480734"/>
+          </a:xfrm>
+          <a:prstGeom prst="rect">
+            <a:avLst/>
+          </a:prstGeom>
+        </p:spPr>
+        <p:style>
+          <a:lnRef idx="2">
+            <a:schemeClr val="accent1">
+              <a:shade val="50000"/>
+            </a:schemeClr>
+          </a:lnRef>
+          <a:fillRef idx="1">
+            <a:schemeClr val="accent1"/>
+          </a:fillRef>
+          <a:effectRef idx="0">
+            <a:schemeClr val="accent1"/>
+          </a:effectRef>
+          <a:fontRef idx="minor">
+            <a:schemeClr val="lt1"/>
+          </a:fontRef>
+        </p:style>
+        <p:txBody>
+          <a:bodyPr rtlCol="0" anchor="ctr"/>
+          <a:lstStyle/>
+          <a:p>
+            <a:pPr algn="ctr"/>
+            <a:r>
+              <a:rPr lang="en-US" altLang="en-US" dirty="0"/>
+              <a:t>Variables declared by </a:t>
+            </a:r>
+            <a:r>
+              <a:rPr lang="en-US" altLang="en-US" dirty="0" err="1"/>
+              <a:t>var</a:t>
+            </a:r>
+            <a:r>
+              <a:rPr lang="en-US" altLang="en-US" dirty="0"/>
+              <a:t> keyword are scoped to the immediate function body (hence the function scope) while let variables are scoped to the immediate enclosing block denoted by { } (hence the block scope). </a:t>
+            </a:r>
+          </a:p>
+          <a:p>
+            <a:pPr algn="ctr"/>
+            <a:endParaRPr lang="en-GB" dirty="0"/>
+          </a:p>
+        </p:txBody>
+      </p:sp>
+      <p:pic>
+        <p:nvPicPr>
+          <p:cNvPr id="12" name="Picture 11"/>
+          <p:cNvPicPr>
+            <a:picLocks noChangeAspect="1"/>
+          </p:cNvPicPr>
+          <p:nvPr/>
+        </p:nvPicPr>
+        <p:blipFill>
+          <a:blip r:embed="rId2"/>
+          <a:stretch>
+            <a:fillRect/>
+          </a:stretch>
+        </p:blipFill>
+        <p:spPr>
+          <a:xfrm>
+            <a:off x="7247468" y="897352"/>
+            <a:ext cx="4903452" cy="2590913"/>
+          </a:xfrm>
+          <a:prstGeom prst="rect">
+            <a:avLst/>
+          </a:prstGeom>
+        </p:spPr>
+      </p:pic>
+      <p:sp>
+        <p:nvSpPr>
+          <p:cNvPr id="13" name="Rectangle 12"/>
+          <p:cNvSpPr/>
+          <p:nvPr/>
+        </p:nvSpPr>
+        <p:spPr>
+          <a:xfrm>
+            <a:off x="677334" y="3928530"/>
+            <a:ext cx="1938866" cy="2480733"/>
+          </a:xfrm>
+          <a:prstGeom prst="rect">
+            <a:avLst/>
+          </a:prstGeom>
+        </p:spPr>
+        <p:style>
+          <a:lnRef idx="2">
+            <a:schemeClr val="accent1">
+              <a:shade val="50000"/>
+            </a:schemeClr>
+          </a:lnRef>
+          <a:fillRef idx="1">
+            <a:schemeClr val="accent1"/>
+          </a:fillRef>
+          <a:effectRef idx="0">
+            <a:schemeClr val="accent1"/>
+          </a:effectRef>
+          <a:fontRef idx="minor">
+            <a:schemeClr val="lt1"/>
+          </a:fontRef>
+        </p:style>
+        <p:txBody>
+          <a:bodyPr rtlCol="0" anchor="ctr"/>
+          <a:lstStyle/>
+          <a:p>
+            <a:pPr algn="ctr"/>
+            <a:r>
+              <a:rPr lang="en-IN" sz="1400" dirty="0" smtClean="0"/>
+              <a:t>Hoisting</a:t>
+            </a:r>
+            <a:endParaRPr lang="en-GB" dirty="0"/>
+          </a:p>
+        </p:txBody>
+      </p:sp>
+      <p:sp>
+        <p:nvSpPr>
+          <p:cNvPr id="14" name="Rectangle 13"/>
+          <p:cNvSpPr/>
+          <p:nvPr/>
+        </p:nvSpPr>
+        <p:spPr>
+          <a:xfrm>
+            <a:off x="2957734" y="3928529"/>
+            <a:ext cx="4797733" cy="2743203"/>
+          </a:xfrm>
+          <a:prstGeom prst="rect">
+            <a:avLst/>
+          </a:prstGeom>
+        </p:spPr>
+        <p:style>
+          <a:lnRef idx="2">
+            <a:schemeClr val="accent1">
+              <a:shade val="50000"/>
+            </a:schemeClr>
+          </a:lnRef>
+          <a:fillRef idx="1">
+            <a:schemeClr val="accent1"/>
+          </a:fillRef>
+          <a:effectRef idx="0">
+            <a:schemeClr val="accent1"/>
+          </a:effectRef>
+          <a:fontRef idx="minor">
+            <a:schemeClr val="lt1"/>
+          </a:fontRef>
+        </p:style>
+        <p:txBody>
+          <a:bodyPr rtlCol="0" anchor="ctr"/>
+          <a:lstStyle/>
+          <a:p>
+            <a:pPr algn="ctr"/>
+            <a:r>
+              <a:rPr lang="en-IN" altLang="en-US" sz="1600" dirty="0" smtClean="0"/>
+              <a:t>Variables </a:t>
+            </a:r>
+            <a:r>
+              <a:rPr lang="en-IN" altLang="en-US" sz="1600" dirty="0"/>
+              <a:t>declared with </a:t>
+            </a:r>
+            <a:r>
+              <a:rPr lang="en-IN" altLang="en-US" sz="1600" dirty="0" err="1"/>
+              <a:t>var</a:t>
+            </a:r>
+            <a:r>
+              <a:rPr lang="en-IN" altLang="en-US" sz="1600" dirty="0"/>
+              <a:t> keyword are hoisted (initialized with undefined before the code is run) which means they are accessible in their enclosing scope even before they are </a:t>
+            </a:r>
+            <a:r>
+              <a:rPr lang="en-IN" altLang="en-US" sz="1600" dirty="0" smtClean="0"/>
+              <a:t>declared.</a:t>
+            </a:r>
+          </a:p>
+          <a:p>
+            <a:pPr algn="ctr"/>
+            <a:endParaRPr lang="en-IN" altLang="en-US" sz="1600" dirty="0" smtClean="0"/>
+          </a:p>
+          <a:p>
+            <a:pPr algn="ctr"/>
+            <a:r>
+              <a:rPr lang="en-IN" sz="1600" dirty="0"/>
+              <a:t>let variables are not initialized until their definition is evaluated. Accessing them before the initialization results in a </a:t>
+            </a:r>
+            <a:r>
+              <a:rPr lang="en-IN" sz="1600" dirty="0" err="1"/>
+              <a:t>ReferenceError</a:t>
+            </a:r>
+            <a:r>
+              <a:rPr lang="en-IN" sz="1600" dirty="0"/>
+              <a:t>. Variable said to be in "temporal dead zone" from the start of the block until the initialization is processed.</a:t>
+            </a:r>
+            <a:endParaRPr lang="en-GB" sz="1600" dirty="0"/>
+          </a:p>
+        </p:txBody>
+      </p:sp>
+      <p:pic>
+        <p:nvPicPr>
+          <p:cNvPr id="17" name="Picture 16"/>
+          <p:cNvPicPr>
+            <a:picLocks noChangeAspect="1"/>
+          </p:cNvPicPr>
+          <p:nvPr/>
+        </p:nvPicPr>
+        <p:blipFill>
+          <a:blip r:embed="rId3"/>
+          <a:stretch>
+            <a:fillRect/>
+          </a:stretch>
+        </p:blipFill>
+        <p:spPr>
+          <a:xfrm>
+            <a:off x="7967133" y="3919108"/>
+            <a:ext cx="4055534" cy="1249788"/>
+          </a:xfrm>
+          <a:prstGeom prst="rect">
+            <a:avLst/>
+          </a:prstGeom>
+        </p:spPr>
+      </p:pic>
+      <p:pic>
+        <p:nvPicPr>
+          <p:cNvPr id="18" name="Picture 17"/>
+          <p:cNvPicPr>
+            <a:picLocks noChangeAspect="1"/>
+          </p:cNvPicPr>
+          <p:nvPr/>
+        </p:nvPicPr>
+        <p:blipFill>
+          <a:blip r:embed="rId4"/>
+          <a:stretch>
+            <a:fillRect/>
+          </a:stretch>
+        </p:blipFill>
+        <p:spPr>
+          <a:xfrm>
+            <a:off x="7967133" y="5273531"/>
+            <a:ext cx="4055533" cy="1335098"/>
+          </a:xfrm>
+          <a:prstGeom prst="rect">
+            <a:avLst/>
+          </a:prstGeom>
+        </p:spPr>
+      </p:pic>
+    </p:spTree>
+    <p:extLst>
+      <p:ext uri="{BB962C8B-B14F-4D97-AF65-F5344CB8AC3E}">
+        <p14:creationId xmlns:p14="http://schemas.microsoft.com/office/powerpoint/2010/main" val="365814445"/>
+      </p:ext>
+    </p:extLst>
+  </p:cSld>
+  <p:clrMapOvr>
+    <a:masterClrMapping/>
+  </p:clrMapOvr>
+  <p:timing>
+    <p:tnLst>
+      <p:par>
+        <p:cTn id="1" dur="indefinite" restart="never" nodeType="tmRoot"/>
+      </p:par>
+    </p:tnLst>
+  </p:timing>
+</p:sld>
+</file>
+
+<file path=ppt/slides/slide45.xml><?xml version="1.0" encoding="utf-8"?>
+<p:sld xmlns:a="http://schemas.openxmlformats.org/drawingml/2006/main" xmlns:r="http://schemas.openxmlformats.org/officeDocument/2006/relationships" xmlns:p="http://schemas.openxmlformats.org/presentationml/2006/main">
+  <p:cSld>
+    <p:spTree>
+      <p:nvGrpSpPr>
+        <p:cNvPr id="1" name=""/>
+        <p:cNvGrpSpPr/>
+        <p:nvPr/>
+      </p:nvGrpSpPr>
+      <p:grpSpPr>
+        <a:xfrm>
+          <a:off x="0" y="0"/>
+          <a:ext cx="0" cy="0"/>
+          <a:chOff x="0" y="0"/>
+          <a:chExt cx="0" cy="0"/>
+        </a:xfrm>
+      </p:grpSpPr>
+      <p:sp>
+        <p:nvSpPr>
+          <p:cNvPr id="2" name="Title 1"/>
+          <p:cNvSpPr>
+            <a:spLocks noGrp="1"/>
+          </p:cNvSpPr>
+          <p:nvPr>
+            <p:ph type="title"/>
+          </p:nvPr>
+        </p:nvSpPr>
+        <p:spPr>
+          <a:xfrm>
+            <a:off x="338667" y="0"/>
+            <a:ext cx="8596668" cy="567267"/>
+          </a:xfrm>
+        </p:spPr>
+        <p:txBody>
+          <a:bodyPr>
+            <a:normAutofit fontScale="90000"/>
+          </a:bodyPr>
+          <a:lstStyle/>
+          <a:p>
+            <a:r>
+              <a:rPr lang="en-IN" dirty="0" smtClean="0"/>
+              <a:t>Difference between Let and </a:t>
+            </a:r>
+            <a:r>
+              <a:rPr lang="en-IN" dirty="0" err="1" smtClean="0"/>
+              <a:t>Var</a:t>
+            </a:r>
+            <a:r>
+              <a:rPr lang="en-IN" dirty="0" smtClean="0"/>
+              <a:t> </a:t>
+            </a:r>
+            <a:r>
+              <a:rPr lang="en-IN" dirty="0" err="1" smtClean="0"/>
+              <a:t>Cont</a:t>
+            </a:r>
+            <a:r>
+              <a:rPr lang="en-IN" dirty="0" smtClean="0"/>
+              <a:t>…</a:t>
+            </a:r>
+            <a:endParaRPr lang="en-GB" dirty="0"/>
+          </a:p>
+        </p:txBody>
+      </p:sp>
+      <p:sp>
+        <p:nvSpPr>
+          <p:cNvPr id="3" name="Content Placeholder 2"/>
+          <p:cNvSpPr>
+            <a:spLocks noGrp="1"/>
+          </p:cNvSpPr>
+          <p:nvPr>
+            <p:ph idx="1"/>
+          </p:nvPr>
+        </p:nvSpPr>
+        <p:spPr>
+          <a:xfrm>
+            <a:off x="677334" y="567267"/>
+            <a:ext cx="8596668" cy="5474095"/>
+          </a:xfrm>
+        </p:spPr>
+        <p:txBody>
+          <a:bodyPr/>
+          <a:lstStyle/>
+          <a:p>
+            <a:endParaRPr lang="en-IN" dirty="0"/>
+          </a:p>
+          <a:p>
+            <a:endParaRPr lang="en-GB" dirty="0"/>
+          </a:p>
+        </p:txBody>
+      </p:sp>
+      <p:sp>
+        <p:nvSpPr>
+          <p:cNvPr id="6" name="Rectangle 5"/>
+          <p:cNvSpPr/>
+          <p:nvPr/>
+        </p:nvSpPr>
+        <p:spPr>
+          <a:xfrm>
+            <a:off x="677334" y="1007532"/>
+            <a:ext cx="1938866" cy="2480733"/>
+          </a:xfrm>
+          <a:prstGeom prst="rect">
+            <a:avLst/>
+          </a:prstGeom>
+        </p:spPr>
+        <p:style>
+          <a:lnRef idx="2">
+            <a:schemeClr val="accent1">
+              <a:shade val="50000"/>
+            </a:schemeClr>
+          </a:lnRef>
+          <a:fillRef idx="1">
+            <a:schemeClr val="accent1"/>
+          </a:fillRef>
+          <a:effectRef idx="0">
+            <a:schemeClr val="accent1"/>
+          </a:effectRef>
+          <a:fontRef idx="minor">
+            <a:schemeClr val="lt1"/>
+          </a:fontRef>
+        </p:style>
+        <p:txBody>
+          <a:bodyPr rtlCol="0" anchor="ctr"/>
+          <a:lstStyle/>
+          <a:p>
+            <a:pPr fontAlgn="base"/>
+            <a:r>
+              <a:rPr lang="en-GB" b="1" dirty="0"/>
+              <a:t>Creating global object property</a:t>
+            </a:r>
+          </a:p>
+        </p:txBody>
+      </p:sp>
+      <p:sp>
+        <p:nvSpPr>
+          <p:cNvPr id="7" name="Rectangle 6"/>
+          <p:cNvSpPr/>
+          <p:nvPr/>
+        </p:nvSpPr>
+        <p:spPr>
+          <a:xfrm>
+            <a:off x="2954867" y="1007532"/>
+            <a:ext cx="3513666" cy="2480734"/>
+          </a:xfrm>
+          <a:prstGeom prst="rect">
+            <a:avLst/>
+          </a:prstGeom>
+        </p:spPr>
+        <p:style>
+          <a:lnRef idx="2">
+            <a:schemeClr val="accent1">
+              <a:shade val="50000"/>
+            </a:schemeClr>
+          </a:lnRef>
+          <a:fillRef idx="1">
+            <a:schemeClr val="accent1"/>
+          </a:fillRef>
+          <a:effectRef idx="0">
+            <a:schemeClr val="accent1"/>
+          </a:effectRef>
+          <a:fontRef idx="minor">
+            <a:schemeClr val="lt1"/>
+          </a:fontRef>
+        </p:style>
+        <p:txBody>
+          <a:bodyPr rtlCol="0" anchor="ctr"/>
+          <a:lstStyle/>
+          <a:p>
+            <a:pPr algn="ctr"/>
+            <a:r>
+              <a:rPr lang="en-IN" altLang="en-US" dirty="0"/>
+              <a:t>At the top level, let, unlike </a:t>
+            </a:r>
+            <a:r>
+              <a:rPr lang="en-IN" altLang="en-US" dirty="0" err="1"/>
+              <a:t>var</a:t>
+            </a:r>
+            <a:r>
+              <a:rPr lang="en-IN" altLang="en-US" dirty="0"/>
+              <a:t>, does not create a property on the global </a:t>
+            </a:r>
+            <a:r>
+              <a:rPr lang="en-IN" altLang="en-US" dirty="0" err="1"/>
+              <a:t>object:At</a:t>
+            </a:r>
+            <a:r>
+              <a:rPr lang="en-IN" altLang="en-US" dirty="0"/>
+              <a:t> the top </a:t>
+            </a:r>
+            <a:r>
+              <a:rPr lang="en-IN" altLang="en-US" dirty="0" smtClean="0"/>
+              <a:t>level</a:t>
+            </a:r>
+            <a:endParaRPr lang="en-GB" dirty="0"/>
+          </a:p>
+        </p:txBody>
+      </p:sp>
+      <p:sp>
+        <p:nvSpPr>
+          <p:cNvPr id="13" name="Rectangle 12"/>
+          <p:cNvSpPr/>
+          <p:nvPr/>
+        </p:nvSpPr>
+        <p:spPr>
+          <a:xfrm>
+            <a:off x="677334" y="3928530"/>
+            <a:ext cx="1938866" cy="2480733"/>
+          </a:xfrm>
+          <a:prstGeom prst="rect">
+            <a:avLst/>
+          </a:prstGeom>
+        </p:spPr>
+        <p:style>
+          <a:lnRef idx="2">
+            <a:schemeClr val="accent1">
+              <a:shade val="50000"/>
+            </a:schemeClr>
+          </a:lnRef>
+          <a:fillRef idx="1">
+            <a:schemeClr val="accent1"/>
+          </a:fillRef>
+          <a:effectRef idx="0">
+            <a:schemeClr val="accent1"/>
+          </a:effectRef>
+          <a:fontRef idx="minor">
+            <a:schemeClr val="lt1"/>
+          </a:fontRef>
+        </p:style>
+        <p:txBody>
+          <a:bodyPr rtlCol="0" anchor="ctr"/>
+          <a:lstStyle/>
+          <a:p>
+            <a:pPr fontAlgn="base"/>
+            <a:r>
+              <a:rPr lang="en-GB" b="1" dirty="0" err="1"/>
+              <a:t>Redeclaration</a:t>
+            </a:r>
+            <a:endParaRPr lang="en-GB" b="1" dirty="0"/>
+          </a:p>
+        </p:txBody>
+      </p:sp>
+      <p:sp>
+        <p:nvSpPr>
+          <p:cNvPr id="14" name="Rectangle 13"/>
+          <p:cNvSpPr/>
+          <p:nvPr/>
+        </p:nvSpPr>
+        <p:spPr>
+          <a:xfrm>
+            <a:off x="2957734" y="3928530"/>
+            <a:ext cx="3595466" cy="2480734"/>
+          </a:xfrm>
+          <a:prstGeom prst="rect">
+            <a:avLst/>
+          </a:prstGeom>
+        </p:spPr>
+        <p:style>
+          <a:lnRef idx="2">
+            <a:schemeClr val="accent1">
+              <a:shade val="50000"/>
+            </a:schemeClr>
+          </a:lnRef>
+          <a:fillRef idx="1">
+            <a:schemeClr val="accent1"/>
+          </a:fillRef>
+          <a:effectRef idx="0">
+            <a:schemeClr val="accent1"/>
+          </a:effectRef>
+          <a:fontRef idx="minor">
+            <a:schemeClr val="lt1"/>
+          </a:fontRef>
+        </p:style>
+        <p:txBody>
+          <a:bodyPr rtlCol="0" anchor="ctr"/>
+          <a:lstStyle/>
+          <a:p>
+            <a:pPr algn="ctr"/>
+            <a:r>
+              <a:rPr lang="en-IN" altLang="en-US" dirty="0"/>
+              <a:t>In strict mode, </a:t>
+            </a:r>
+            <a:r>
+              <a:rPr lang="en-IN" altLang="en-US" dirty="0" err="1"/>
+              <a:t>var</a:t>
+            </a:r>
+            <a:r>
+              <a:rPr lang="en-IN" altLang="en-US" dirty="0"/>
+              <a:t> will let you re-declare the same variable in the same scope while let raises a </a:t>
+            </a:r>
+            <a:r>
+              <a:rPr lang="en-IN" altLang="en-US" dirty="0" err="1"/>
+              <a:t>SyntaxError</a:t>
+            </a:r>
+            <a:r>
+              <a:rPr lang="en-IN" altLang="en-US" dirty="0"/>
+              <a:t>.</a:t>
+            </a:r>
+            <a:endParaRPr lang="en-GB" dirty="0"/>
+          </a:p>
+        </p:txBody>
+      </p:sp>
+      <p:pic>
+        <p:nvPicPr>
+          <p:cNvPr id="5" name="Picture 4"/>
+          <p:cNvPicPr>
+            <a:picLocks noChangeAspect="1"/>
+          </p:cNvPicPr>
+          <p:nvPr/>
+        </p:nvPicPr>
+        <p:blipFill>
+          <a:blip r:embed="rId2"/>
+          <a:stretch>
+            <a:fillRect/>
+          </a:stretch>
+        </p:blipFill>
+        <p:spPr>
+          <a:xfrm>
+            <a:off x="6815669" y="924091"/>
+            <a:ext cx="5088464" cy="2564173"/>
+          </a:xfrm>
+          <a:prstGeom prst="rect">
+            <a:avLst/>
+          </a:prstGeom>
+        </p:spPr>
+      </p:pic>
+      <p:pic>
+        <p:nvPicPr>
+          <p:cNvPr id="9" name="Picture 8"/>
+          <p:cNvPicPr>
+            <a:picLocks noChangeAspect="1"/>
+          </p:cNvPicPr>
+          <p:nvPr/>
+        </p:nvPicPr>
+        <p:blipFill>
+          <a:blip r:embed="rId3"/>
+          <a:stretch>
+            <a:fillRect/>
+          </a:stretch>
+        </p:blipFill>
+        <p:spPr>
+          <a:xfrm>
+            <a:off x="6815668" y="3842472"/>
+            <a:ext cx="5206520" cy="2555714"/>
+          </a:xfrm>
+          <a:prstGeom prst="rect">
+            <a:avLst/>
+          </a:prstGeom>
+        </p:spPr>
+      </p:pic>
+    </p:spTree>
+    <p:extLst>
+      <p:ext uri="{BB962C8B-B14F-4D97-AF65-F5344CB8AC3E}">
+        <p14:creationId xmlns:p14="http://schemas.microsoft.com/office/powerpoint/2010/main" val="255814793"/>
+      </p:ext>
+    </p:extLst>
+  </p:cSld>
+  <p:clrMapOvr>
+    <a:masterClrMapping/>
+  </p:clrMapOvr>
+  <p:timing>
+    <p:tnLst>
+      <p:par>
+        <p:cTn id="1" dur="indefinite" restart="never" nodeType="tmRoot"/>
+      </p:par>
+    </p:tnLst>
+  </p:timing>
+</p:sld>
+</file>
+
+<file path=ppt/slides/slide46.xml><?xml version="1.0" encoding="utf-8"?>
+<p:sld xmlns:a="http://schemas.openxmlformats.org/drawingml/2006/main" xmlns:r="http://schemas.openxmlformats.org/officeDocument/2006/relationships" xmlns:p="http://schemas.openxmlformats.org/presentationml/2006/main">
+  <p:cSld>
+    <p:spTree>
+      <p:nvGrpSpPr>
+        <p:cNvPr id="1" name=""/>
+        <p:cNvGrpSpPr/>
+        <p:nvPr/>
+      </p:nvGrpSpPr>
+      <p:grpSpPr>
+        <a:xfrm>
+          <a:off x="0" y="0"/>
+          <a:ext cx="0" cy="0"/>
+          <a:chOff x="0" y="0"/>
+          <a:chExt cx="0" cy="0"/>
+        </a:xfrm>
+      </p:grpSpPr>
+      <p:sp>
+        <p:nvSpPr>
+          <p:cNvPr id="2" name="Title 1"/>
+          <p:cNvSpPr>
+            <a:spLocks noGrp="1"/>
+          </p:cNvSpPr>
+          <p:nvPr>
+            <p:ph type="title"/>
+          </p:nvPr>
+        </p:nvSpPr>
+        <p:spPr>
+          <a:xfrm>
+            <a:off x="259645" y="101600"/>
+            <a:ext cx="8596668" cy="756356"/>
+          </a:xfrm>
+        </p:spPr>
+        <p:txBody>
+          <a:bodyPr/>
+          <a:lstStyle/>
+          <a:p>
+            <a:r>
+              <a:rPr lang="en-IN" dirty="0" smtClean="0"/>
+              <a:t>Arrow Function</a:t>
+            </a:r>
+            <a:endParaRPr lang="en-GB" dirty="0"/>
+          </a:p>
+        </p:txBody>
+      </p:sp>
+      <p:sp>
+        <p:nvSpPr>
+          <p:cNvPr id="3" name="Content Placeholder 2"/>
+          <p:cNvSpPr>
+            <a:spLocks noGrp="1"/>
+          </p:cNvSpPr>
+          <p:nvPr>
+            <p:ph idx="1"/>
+          </p:nvPr>
+        </p:nvSpPr>
+        <p:spPr>
+          <a:xfrm>
+            <a:off x="259645" y="891823"/>
+            <a:ext cx="9798755" cy="5644444"/>
+          </a:xfrm>
+        </p:spPr>
+        <p:txBody>
+          <a:bodyPr>
+            <a:normAutofit/>
+          </a:bodyPr>
+          <a:lstStyle/>
+          <a:p>
+            <a:r>
+              <a:rPr lang="en-IN" dirty="0"/>
+              <a:t>Arrow functions were introduced in ES6.</a:t>
+            </a:r>
+          </a:p>
+          <a:p>
+            <a:r>
+              <a:rPr lang="en-IN" dirty="0"/>
+              <a:t>Arrow functions allow us to write shorter function syntax:</a:t>
+            </a:r>
+          </a:p>
+          <a:p>
+            <a:r>
+              <a:rPr lang="en-IN" dirty="0" smtClean="0"/>
+              <a:t>Basic syntax is :</a:t>
+            </a:r>
+          </a:p>
+          <a:p>
+            <a:pPr lvl="1"/>
+            <a:r>
+              <a:rPr lang="en-GB" dirty="0"/>
+              <a:t>(param1, param2, …, </a:t>
+            </a:r>
+            <a:r>
+              <a:rPr lang="en-GB" dirty="0" err="1"/>
+              <a:t>paramN</a:t>
+            </a:r>
+            <a:r>
+              <a:rPr lang="en-GB" dirty="0"/>
+              <a:t>) =&gt; { statements } </a:t>
+            </a:r>
+          </a:p>
+          <a:p>
+            <a:pPr lvl="1"/>
+            <a:r>
+              <a:rPr lang="en-GB" dirty="0"/>
+              <a:t>(param1, param2, …, </a:t>
+            </a:r>
+            <a:r>
+              <a:rPr lang="en-GB" dirty="0" err="1"/>
+              <a:t>paramN</a:t>
+            </a:r>
+            <a:r>
+              <a:rPr lang="en-GB" dirty="0"/>
+              <a:t>) =&gt; </a:t>
+            </a:r>
+            <a:r>
+              <a:rPr lang="en-GB" dirty="0" smtClean="0"/>
+              <a:t>expression // </a:t>
+            </a:r>
+            <a:r>
+              <a:rPr lang="en-GB" dirty="0"/>
+              <a:t>equivalent to: =&gt; { return expression; </a:t>
+            </a:r>
+            <a:r>
+              <a:rPr lang="en-GB" dirty="0" smtClean="0"/>
+              <a:t>}</a:t>
+            </a:r>
+          </a:p>
+          <a:p>
+            <a:r>
+              <a:rPr lang="en-IN" dirty="0" smtClean="0"/>
+              <a:t>In addition to a shorter syntax arrow function has may other differences to normal functions</a:t>
+            </a:r>
+          </a:p>
+          <a:p>
+            <a:r>
+              <a:rPr lang="en-IN" dirty="0"/>
+              <a:t>Before arrow functions, every new function defined its own this value based on how the function was called</a:t>
+            </a:r>
+            <a:r>
+              <a:rPr lang="en-IN" dirty="0" smtClean="0"/>
+              <a:t>:</a:t>
+            </a:r>
+            <a:endParaRPr lang="en-IN" dirty="0"/>
+          </a:p>
+          <a:p>
+            <a:r>
+              <a:rPr lang="en-IN" dirty="0"/>
+              <a:t>A new object in the case of a </a:t>
+            </a:r>
+            <a:r>
+              <a:rPr lang="en-IN" dirty="0" smtClean="0"/>
+              <a:t>constructor. undefined </a:t>
+            </a:r>
+            <a:r>
+              <a:rPr lang="en-IN" dirty="0"/>
+              <a:t>in strict mode function calls.</a:t>
+            </a:r>
+          </a:p>
+          <a:p>
+            <a:r>
+              <a:rPr lang="en-IN" dirty="0"/>
+              <a:t>The base object if the function was called as an "object method</a:t>
+            </a:r>
+            <a:r>
+              <a:rPr lang="en-IN" dirty="0" smtClean="0"/>
+              <a:t>".</a:t>
+            </a:r>
+            <a:r>
+              <a:rPr lang="en-IN" dirty="0" err="1" smtClean="0"/>
+              <a:t>etc</a:t>
+            </a:r>
+            <a:r>
+              <a:rPr lang="en-IN" dirty="0"/>
+              <a:t>.</a:t>
+            </a:r>
+          </a:p>
+          <a:p>
+            <a:r>
+              <a:rPr lang="en-IN" dirty="0"/>
+              <a:t>This proved to be less than ideal with an object-oriented style of programming.</a:t>
+            </a:r>
+            <a:endParaRPr lang="en-IN" dirty="0" smtClean="0"/>
+          </a:p>
+          <a:p>
+            <a:r>
+              <a:rPr lang="en-IN" dirty="0" smtClean="0"/>
+              <a:t>Lets check them out in code</a:t>
+            </a:r>
+          </a:p>
+          <a:p>
+            <a:r>
+              <a:rPr lang="en-IN" dirty="0" smtClean="0"/>
+              <a:t>Useful Links: </a:t>
+            </a:r>
+            <a:r>
+              <a:rPr lang="en-IN" dirty="0" err="1" smtClean="0">
+                <a:hlinkClick r:id="rId2"/>
+              </a:rPr>
+              <a:t>ArrowFunctions</a:t>
+            </a:r>
+            <a:endParaRPr lang="en-IN" dirty="0" smtClean="0"/>
+          </a:p>
+          <a:p>
+            <a:endParaRPr lang="en-GB" dirty="0"/>
+          </a:p>
+        </p:txBody>
+      </p:sp>
+    </p:spTree>
+    <p:extLst>
+      <p:ext uri="{BB962C8B-B14F-4D97-AF65-F5344CB8AC3E}">
+        <p14:creationId xmlns:p14="http://schemas.microsoft.com/office/powerpoint/2010/main" val="988127572"/>
+      </p:ext>
+    </p:extLst>
+  </p:cSld>
+  <p:clrMapOvr>
+    <a:masterClrMapping/>
+  </p:clrMapOvr>
+</p:sld>
+</file>
+
+<file path=ppt/slides/slide47.xml><?xml version="1.0" encoding="utf-8"?>
+<p:sld xmlns:a="http://schemas.openxmlformats.org/drawingml/2006/main" xmlns:r="http://schemas.openxmlformats.org/officeDocument/2006/relationships" xmlns:p="http://schemas.openxmlformats.org/presentationml/2006/main">
+  <p:cSld>
+    <p:spTree>
+      <p:nvGrpSpPr>
+        <p:cNvPr id="1" name=""/>
+        <p:cNvGrpSpPr/>
+        <p:nvPr/>
+      </p:nvGrpSpPr>
+      <p:grpSpPr>
+        <a:xfrm>
+          <a:off x="0" y="0"/>
+          <a:ext cx="0" cy="0"/>
+          <a:chOff x="0" y="0"/>
+          <a:chExt cx="0" cy="0"/>
+        </a:xfrm>
+      </p:grpSpPr>
+      <p:sp>
+        <p:nvSpPr>
+          <p:cNvPr id="2" name="Title 1"/>
+          <p:cNvSpPr>
+            <a:spLocks noGrp="1"/>
+          </p:cNvSpPr>
+          <p:nvPr>
+            <p:ph type="title"/>
+          </p:nvPr>
+        </p:nvSpPr>
+        <p:spPr>
+          <a:xfrm>
+            <a:off x="191912" y="112889"/>
+            <a:ext cx="8596668" cy="666044"/>
+          </a:xfrm>
+        </p:spPr>
+        <p:txBody>
+          <a:bodyPr/>
+          <a:lstStyle/>
+          <a:p>
+            <a:r>
+              <a:rPr lang="en-IN" dirty="0" smtClean="0"/>
+              <a:t>Default Function Parameters</a:t>
+            </a:r>
+            <a:endParaRPr lang="en-GB" dirty="0"/>
+          </a:p>
+        </p:txBody>
+      </p:sp>
+      <p:sp>
+        <p:nvSpPr>
+          <p:cNvPr id="3" name="Content Placeholder 2"/>
+          <p:cNvSpPr>
+            <a:spLocks noGrp="1"/>
+          </p:cNvSpPr>
+          <p:nvPr>
+            <p:ph idx="1"/>
+          </p:nvPr>
+        </p:nvSpPr>
+        <p:spPr>
+          <a:xfrm>
+            <a:off x="677334" y="925689"/>
+            <a:ext cx="8596668" cy="5115673"/>
+          </a:xfrm>
+        </p:spPr>
+        <p:txBody>
+          <a:bodyPr/>
+          <a:lstStyle/>
+          <a:p>
+            <a:r>
+              <a:rPr lang="en-IN" dirty="0" smtClean="0"/>
+              <a:t>Ts gives us a feature to provide default values to parameters.</a:t>
+            </a:r>
+          </a:p>
+          <a:p>
+            <a:r>
+              <a:rPr lang="en-IN" dirty="0" smtClean="0"/>
+              <a:t>If a value is provided while calling the default value is overridden if it is not provided the default value is used.</a:t>
+            </a:r>
+          </a:p>
+          <a:p>
+            <a:r>
+              <a:rPr lang="en-IN" dirty="0" smtClean="0"/>
+              <a:t>The syntax is (</a:t>
+            </a:r>
+            <a:r>
+              <a:rPr lang="en-IN" dirty="0" err="1" smtClean="0"/>
+              <a:t>a:number,b:number</a:t>
+            </a:r>
+            <a:r>
+              <a:rPr lang="en-IN" dirty="0" smtClean="0"/>
+              <a:t> =1) =&gt; { }</a:t>
+            </a:r>
+          </a:p>
+          <a:p>
+            <a:r>
+              <a:rPr lang="en-IN" dirty="0" smtClean="0"/>
+              <a:t>We can assign default values starting from right not from left </a:t>
+            </a:r>
+            <a:r>
+              <a:rPr lang="en-IN" dirty="0" err="1" smtClean="0"/>
+              <a:t>ie</a:t>
+            </a:r>
+            <a:r>
+              <a:rPr lang="en-IN" dirty="0" smtClean="0"/>
+              <a:t> we cannot assign a default value to a parameter and not to the next </a:t>
+            </a:r>
+            <a:r>
+              <a:rPr lang="en-IN" dirty="0" err="1" smtClean="0"/>
+              <a:t>etc</a:t>
+            </a:r>
+            <a:endParaRPr lang="en-IN" dirty="0" smtClean="0"/>
+          </a:p>
+          <a:p>
+            <a:r>
+              <a:rPr lang="en-IN" dirty="0" smtClean="0"/>
+              <a:t>All parameters with default values should be at the end f parameters because </a:t>
+            </a:r>
+            <a:r>
+              <a:rPr lang="en-IN" dirty="0" err="1" smtClean="0"/>
+              <a:t>ts</a:t>
+            </a:r>
+            <a:r>
+              <a:rPr lang="en-IN" dirty="0" smtClean="0"/>
+              <a:t> wont be able to judge which parameter is given and which is default  </a:t>
+            </a:r>
+            <a:endParaRPr lang="en-GB" dirty="0"/>
+          </a:p>
+        </p:txBody>
+      </p:sp>
+    </p:spTree>
+    <p:extLst>
+      <p:ext uri="{BB962C8B-B14F-4D97-AF65-F5344CB8AC3E}">
+        <p14:creationId xmlns:p14="http://schemas.microsoft.com/office/powerpoint/2010/main" val="2020554997"/>
+      </p:ext>
+    </p:extLst>
+  </p:cSld>
+  <p:clrMapOvr>
+    <a:masterClrMapping/>
+  </p:clrMapOvr>
+</p:sld>
+</file>
+
+<file path=ppt/slides/slide48.xml><?xml version="1.0" encoding="utf-8"?>
+<p:sld xmlns:a="http://schemas.openxmlformats.org/drawingml/2006/main" xmlns:r="http://schemas.openxmlformats.org/officeDocument/2006/relationships" xmlns:p="http://schemas.openxmlformats.org/presentationml/2006/main">
+  <p:cSld>
+    <p:spTree>
+      <p:nvGrpSpPr>
+        <p:cNvPr id="1" name=""/>
+        <p:cNvGrpSpPr/>
+        <p:nvPr/>
+      </p:nvGrpSpPr>
+      <p:grpSpPr>
+        <a:xfrm>
+          <a:off x="0" y="0"/>
+          <a:ext cx="0" cy="0"/>
+          <a:chOff x="0" y="0"/>
+          <a:chExt cx="0" cy="0"/>
+        </a:xfrm>
+      </p:grpSpPr>
+      <p:sp>
+        <p:nvSpPr>
+          <p:cNvPr id="2" name="Title 1"/>
+          <p:cNvSpPr>
+            <a:spLocks noGrp="1"/>
+          </p:cNvSpPr>
+          <p:nvPr>
+            <p:ph type="title"/>
+          </p:nvPr>
+        </p:nvSpPr>
+        <p:spPr>
+          <a:xfrm>
+            <a:off x="677334" y="101600"/>
+            <a:ext cx="8596668" cy="711200"/>
+          </a:xfrm>
+        </p:spPr>
+        <p:txBody>
+          <a:bodyPr/>
+          <a:lstStyle/>
+          <a:p>
+            <a:r>
+              <a:rPr lang="en-IN" dirty="0" smtClean="0"/>
+              <a:t>Spread Operator</a:t>
+            </a:r>
+            <a:endParaRPr lang="en-GB" dirty="0"/>
+          </a:p>
+        </p:txBody>
+      </p:sp>
+      <p:sp>
+        <p:nvSpPr>
+          <p:cNvPr id="3" name="Content Placeholder 2"/>
+          <p:cNvSpPr>
+            <a:spLocks noGrp="1"/>
+          </p:cNvSpPr>
+          <p:nvPr>
+            <p:ph idx="1"/>
+          </p:nvPr>
+        </p:nvSpPr>
+        <p:spPr>
+          <a:xfrm>
+            <a:off x="677334" y="1027289"/>
+            <a:ext cx="8596668" cy="5014073"/>
+          </a:xfrm>
+        </p:spPr>
+        <p:txBody>
+          <a:bodyPr/>
+          <a:lstStyle/>
+          <a:p>
+            <a:r>
+              <a:rPr lang="en-IN" dirty="0" smtClean="0"/>
+              <a:t>Spread operator denoted by … is used to convert an array to a list of comma separated values.</a:t>
+            </a:r>
+          </a:p>
+          <a:p>
+            <a:r>
+              <a:rPr lang="en-IN" dirty="0" smtClean="0"/>
+              <a:t>It is also used to fetch all key value pairs from an object.</a:t>
+            </a:r>
+          </a:p>
+          <a:p>
+            <a:r>
+              <a:rPr lang="en-IN" dirty="0" smtClean="0"/>
+              <a:t>Usually used to copy elements of an array to another or create a copy of an object.</a:t>
+            </a:r>
+          </a:p>
+          <a:p>
+            <a:endParaRPr lang="en-GB" dirty="0"/>
+          </a:p>
+        </p:txBody>
+      </p:sp>
+    </p:spTree>
+    <p:extLst>
+      <p:ext uri="{BB962C8B-B14F-4D97-AF65-F5344CB8AC3E}">
+        <p14:creationId xmlns:p14="http://schemas.microsoft.com/office/powerpoint/2010/main" val="2255942117"/>
+      </p:ext>
+    </p:extLst>
+  </p:cSld>
+  <p:clrMapOvr>
+    <a:masterClrMapping/>
+  </p:clrMapOvr>
+</p:sld>
+</file>
+
+<file path=ppt/slides/slide49.xml><?xml version="1.0" encoding="utf-8"?>
+<p:sld xmlns:a="http://schemas.openxmlformats.org/drawingml/2006/main" xmlns:r="http://schemas.openxmlformats.org/officeDocument/2006/relationships" xmlns:p="http://schemas.openxmlformats.org/presentationml/2006/main">
+  <p:cSld>
+    <p:spTree>
+      <p:nvGrpSpPr>
+        <p:cNvPr id="1" name=""/>
+        <p:cNvGrpSpPr/>
+        <p:nvPr/>
+      </p:nvGrpSpPr>
+      <p:grpSpPr>
+        <a:xfrm>
+          <a:off x="0" y="0"/>
+          <a:ext cx="0" cy="0"/>
+          <a:chOff x="0" y="0"/>
+          <a:chExt cx="0" cy="0"/>
+        </a:xfrm>
+      </p:grpSpPr>
+      <p:sp>
+        <p:nvSpPr>
+          <p:cNvPr id="2" name="Title 1"/>
+          <p:cNvSpPr>
+            <a:spLocks noGrp="1"/>
+          </p:cNvSpPr>
+          <p:nvPr>
+            <p:ph type="title"/>
+          </p:nvPr>
+        </p:nvSpPr>
+        <p:spPr>
+          <a:xfrm>
+            <a:off x="677334" y="609600"/>
+            <a:ext cx="8596668" cy="553156"/>
+          </a:xfrm>
+        </p:spPr>
+        <p:txBody>
+          <a:bodyPr>
+            <a:normAutofit fontScale="90000"/>
+          </a:bodyPr>
+          <a:lstStyle/>
+          <a:p>
+            <a:r>
+              <a:rPr lang="en-IN" dirty="0" smtClean="0"/>
+              <a:t>Rest Parameters</a:t>
+            </a:r>
+            <a:endParaRPr lang="en-GB" dirty="0"/>
+          </a:p>
+        </p:txBody>
+      </p:sp>
+      <p:sp>
+        <p:nvSpPr>
+          <p:cNvPr id="3" name="Content Placeholder 2"/>
+          <p:cNvSpPr>
+            <a:spLocks noGrp="1"/>
+          </p:cNvSpPr>
+          <p:nvPr>
+            <p:ph idx="1"/>
+          </p:nvPr>
+        </p:nvSpPr>
+        <p:spPr>
+          <a:xfrm>
+            <a:off x="677334" y="1377245"/>
+            <a:ext cx="8596668" cy="4664118"/>
+          </a:xfrm>
+        </p:spPr>
+        <p:txBody>
+          <a:bodyPr/>
+          <a:lstStyle/>
+          <a:p>
+            <a:r>
+              <a:rPr lang="en-IN" dirty="0" smtClean="0"/>
+              <a:t>Rest parameters are used when we want to accept a list of comma separated values as parameters to a function</a:t>
+            </a:r>
+          </a:p>
+          <a:p>
+            <a:r>
+              <a:rPr lang="en-IN" dirty="0" smtClean="0"/>
+              <a:t>We can call such a method with any number of parameters</a:t>
+            </a:r>
+          </a:p>
+          <a:p>
+            <a:endParaRPr lang="en-GB" dirty="0"/>
+          </a:p>
+        </p:txBody>
+      </p:sp>
+    </p:spTree>
+    <p:extLst>
+      <p:ext uri="{BB962C8B-B14F-4D97-AF65-F5344CB8AC3E}">
+        <p14:creationId xmlns:p14="http://schemas.microsoft.com/office/powerpoint/2010/main" val="904215501"/>
+      </p:ext>
+    </p:extLst>
+  </p:cSld>
+  <p:clrMapOvr>
+    <a:masterClrMapping/>
+  </p:clrMapOvr>
 </p:sld>
 </file>
 
@@ -31554,6 +33336,31 @@
               </a:rPr>
               <a:t>Ts-Basic-Types</a:t>
             </a:r>
+            <a:endParaRPr lang="en-IN" dirty="0" smtClean="0">
+              <a:latin typeface="Verdana" panose="020B0604030504040204" pitchFamily="34" charset="0"/>
+              <a:ea typeface="Verdana" panose="020B0604030504040204" pitchFamily="34" charset="0"/>
+            </a:endParaRPr>
+          </a:p>
+          <a:p>
+            <a:pPr marL="285750" lvl="2" indent="-285750">
+              <a:tabLst>
+                <a:tab pos="85725" algn="l"/>
+              </a:tabLst>
+            </a:pPr>
+            <a:r>
+              <a:rPr lang="en-IN" dirty="0" err="1">
+                <a:hlinkClick r:id="rId12"/>
+              </a:rPr>
+              <a:t>ArrowFunctions</a:t>
+            </a:r>
+            <a:endParaRPr lang="en-IN" dirty="0"/>
+          </a:p>
+          <a:p>
+            <a:pPr marL="285750" lvl="2" indent="-285750">
+              <a:tabLst>
+                <a:tab pos="85725" algn="l"/>
+              </a:tabLst>
+            </a:pPr>
             <a:endParaRPr lang="en-IN" dirty="0">
               <a:latin typeface="Verdana" panose="020B0604030504040204" pitchFamily="34" charset="0"/>
               <a:ea typeface="Verdana" panose="020B0604030504040204" pitchFamily="34" charset="0"/>
@@ -31565,6 +33372,208 @@
     <p:extLst>
       <p:ext uri="{BB962C8B-B14F-4D97-AF65-F5344CB8AC3E}">
         <p14:creationId xmlns:p14="http://schemas.microsoft.com/office/powerpoint/2010/main" val="2681910176"/>
+      </p:ext>
+    </p:extLst>
+  </p:cSld>
+  <p:clrMapOvr>
+    <a:masterClrMapping/>
+  </p:clrMapOvr>
+  <p:timing>
+    <p:tnLst>
+      <p:par>
+        <p:cTn id="1" dur="indefinite" restart="never" nodeType="tmRoot"/>
+      </p:par>
+    </p:tnLst>
+  </p:timing>
+</p:sld>
+</file>
+
+<file path=ppt/slides/slide50.xml><?xml version="1.0" encoding="utf-8"?>
+<p:sld xmlns:a="http://schemas.openxmlformats.org/drawingml/2006/main" xmlns:r="http://schemas.openxmlformats.org/officeDocument/2006/relationships" xmlns:p="http://schemas.openxmlformats.org/presentationml/2006/main">
+  <p:cSld>
+    <p:spTree>
+      <p:nvGrpSpPr>
+        <p:cNvPr id="1" name=""/>
+        <p:cNvGrpSpPr/>
+        <p:nvPr/>
+      </p:nvGrpSpPr>
+      <p:grpSpPr>
+        <a:xfrm>
+          <a:off x="0" y="0"/>
+          <a:ext cx="0" cy="0"/>
+          <a:chOff x="0" y="0"/>
+          <a:chExt cx="0" cy="0"/>
+        </a:xfrm>
+      </p:grpSpPr>
+      <p:sp>
+        <p:nvSpPr>
+          <p:cNvPr id="2" name="Title 1"/>
+          <p:cNvSpPr>
+            <a:spLocks noGrp="1"/>
+          </p:cNvSpPr>
+          <p:nvPr>
+            <p:ph type="title"/>
+          </p:nvPr>
+        </p:nvSpPr>
+        <p:spPr>
+          <a:xfrm>
+            <a:off x="778934" y="203200"/>
+            <a:ext cx="8596668" cy="711200"/>
+          </a:xfrm>
+        </p:spPr>
+        <p:txBody>
+          <a:bodyPr/>
+          <a:lstStyle/>
+          <a:p>
+            <a:r>
+              <a:rPr lang="en-IN" dirty="0" smtClean="0"/>
+              <a:t>Array and Object </a:t>
+            </a:r>
+            <a:r>
+              <a:rPr lang="en-IN" dirty="0" err="1" smtClean="0"/>
+              <a:t>Destructuring</a:t>
+            </a:r>
+            <a:endParaRPr lang="en-GB" dirty="0"/>
+          </a:p>
+        </p:txBody>
+      </p:sp>
+      <p:sp>
+        <p:nvSpPr>
+          <p:cNvPr id="3" name="Content Placeholder 2"/>
+          <p:cNvSpPr>
+            <a:spLocks noGrp="1"/>
+          </p:cNvSpPr>
+          <p:nvPr>
+            <p:ph idx="1"/>
+          </p:nvPr>
+        </p:nvSpPr>
+        <p:spPr>
+          <a:xfrm>
+            <a:off x="677334" y="1478845"/>
+            <a:ext cx="8596668" cy="4562518"/>
+          </a:xfrm>
+        </p:spPr>
+        <p:txBody>
+          <a:bodyPr/>
+          <a:lstStyle/>
+          <a:p>
+            <a:r>
+              <a:rPr lang="en-IN" dirty="0" smtClean="0"/>
+              <a:t>It is a new ways to fetch individual </a:t>
+            </a:r>
+            <a:r>
+              <a:rPr lang="en-IN" dirty="0" err="1" smtClean="0"/>
+              <a:t>elments</a:t>
+            </a:r>
+            <a:r>
+              <a:rPr lang="en-IN" dirty="0" smtClean="0"/>
+              <a:t> of an array or properties of an object</a:t>
+            </a:r>
+          </a:p>
+          <a:p>
+            <a:r>
+              <a:rPr lang="en-IN" dirty="0" smtClean="0"/>
+              <a:t>Arrays are </a:t>
+            </a:r>
+            <a:r>
+              <a:rPr lang="en-IN" dirty="0" err="1" smtClean="0"/>
+              <a:t>destructured</a:t>
+            </a:r>
+            <a:r>
+              <a:rPr lang="en-IN" dirty="0" smtClean="0"/>
+              <a:t> on position basis and objects on basis of property names</a:t>
+            </a:r>
+          </a:p>
+          <a:p>
+            <a:r>
+              <a:rPr lang="en-IN" dirty="0" smtClean="0"/>
+              <a:t>The constant names that we use for </a:t>
+            </a:r>
+            <a:r>
+              <a:rPr lang="en-IN" dirty="0" err="1" smtClean="0"/>
+              <a:t>destructuring</a:t>
+            </a:r>
+            <a:r>
+              <a:rPr lang="en-IN" dirty="0" smtClean="0"/>
+              <a:t> an object should match the property names</a:t>
+            </a:r>
+          </a:p>
+          <a:p>
+            <a:r>
+              <a:rPr lang="en-IN" dirty="0" smtClean="0"/>
+              <a:t>Although we can use aliases for the names</a:t>
+            </a:r>
+            <a:endParaRPr lang="en-GB" dirty="0"/>
+          </a:p>
+        </p:txBody>
+      </p:sp>
+    </p:spTree>
+    <p:extLst>
+      <p:ext uri="{BB962C8B-B14F-4D97-AF65-F5344CB8AC3E}">
+        <p14:creationId xmlns:p14="http://schemas.microsoft.com/office/powerpoint/2010/main" val="453919219"/>
+      </p:ext>
+    </p:extLst>
+  </p:cSld>
+  <p:clrMapOvr>
+    <a:masterClrMapping/>
+  </p:clrMapOvr>
+</p:sld>
+</file>
+
+<file path=ppt/slides/slide51.xml><?xml version="1.0" encoding="utf-8"?>
+<p:sld xmlns:a="http://schemas.openxmlformats.org/drawingml/2006/main" xmlns:r="http://schemas.openxmlformats.org/officeDocument/2006/relationships" xmlns:p="http://schemas.openxmlformats.org/presentationml/2006/main">
+  <p:cSld>
+    <p:spTree>
+      <p:nvGrpSpPr>
+        <p:cNvPr id="1" name=""/>
+        <p:cNvGrpSpPr/>
+        <p:nvPr/>
+      </p:nvGrpSpPr>
+      <p:grpSpPr>
+        <a:xfrm>
+          <a:off x="0" y="0"/>
+          <a:ext cx="0" cy="0"/>
+          <a:chOff x="0" y="0"/>
+          <a:chExt cx="0" cy="0"/>
+        </a:xfrm>
+      </p:grpSpPr>
+      <p:sp>
+        <p:nvSpPr>
+          <p:cNvPr id="3" name="Content Placeholder 2"/>
+          <p:cNvSpPr>
+            <a:spLocks noGrp="1"/>
+          </p:cNvSpPr>
+          <p:nvPr>
+            <p:ph idx="1"/>
+          </p:nvPr>
+        </p:nvSpPr>
+        <p:spPr>
+          <a:xfrm>
+            <a:off x="3163860" y="2754147"/>
+            <a:ext cx="8596668" cy="3880773"/>
+          </a:xfrm>
+        </p:spPr>
+        <p:txBody>
+          <a:bodyPr>
+            <a:normAutofit/>
+          </a:bodyPr>
+          <a:lstStyle/>
+          <a:p>
+            <a:pPr marL="0" indent="0">
+              <a:buNone/>
+            </a:pPr>
+            <a:r>
+              <a:rPr lang="en-IN" sz="5400" b="1" smtClean="0"/>
+              <a:t>Thanks!!!!!</a:t>
+            </a:r>
+            <a:endParaRPr lang="en-GB" sz="5400" b="1" dirty="0"/>
+          </a:p>
+        </p:txBody>
+      </p:sp>
+    </p:spTree>
+    <p:extLst>
+      <p:ext uri="{BB962C8B-B14F-4D97-AF65-F5344CB8AC3E}">
+        <p14:creationId xmlns:p14="http://schemas.microsoft.com/office/powerpoint/2010/main" val="3977684842"/>
       </p:ext>
     </p:extLst>
   </p:cSld>
